--- a/Presentation.pptx
+++ b/Presentation.pptx
@@ -118,6 +118,10 @@
 </p:presentation>
 </file>
 
+<file path=ppt/revisionInfo.xml><?xml version="1.0" encoding="utf-8"?>
+<p1510:revInfo xmlns:a="http://schemas.openxmlformats.org/drawingml/2006/main" xmlns:r="http://schemas.openxmlformats.org/officeDocument/2006/relationships" xmlns:p1510="http://schemas.microsoft.com/office/powerpoint/2015/10/main"/>
+</file>
+
 <file path=ppt/slideLayouts/slideLayout1.xml><?xml version="1.0" encoding="utf-8"?>
 <p:sldLayout xmlns:a="http://schemas.openxmlformats.org/drawingml/2006/main" xmlns:r="http://schemas.openxmlformats.org/officeDocument/2006/relationships" xmlns:p="http://schemas.openxmlformats.org/presentationml/2006/main" type="title" preserve="1">
   <p:cSld name="Slide de Título">
@@ -247,7 +251,7 @@
           <a:p>
             <a:fld id="{E51D2F42-BB20-49B7-BF12-273DB75CA549}" type="datetimeFigureOut">
               <a:rPr lang="pt-BR" smtClean="0"/>
-              <a:t>21/04/2017</a:t>
+              <a:t>12/06/2017</a:t>
             </a:fld>
             <a:endParaRPr lang="pt-BR" dirty="0"/>
           </a:p>
@@ -415,7 +419,7 @@
           <a:p>
             <a:fld id="{E51D2F42-BB20-49B7-BF12-273DB75CA549}" type="datetimeFigureOut">
               <a:rPr lang="pt-BR" smtClean="0"/>
-              <a:t>21/04/2017</a:t>
+              <a:t>12/06/2017</a:t>
             </a:fld>
             <a:endParaRPr lang="pt-BR" dirty="0"/>
           </a:p>
@@ -593,7 +597,7 @@
           <a:p>
             <a:fld id="{E51D2F42-BB20-49B7-BF12-273DB75CA549}" type="datetimeFigureOut">
               <a:rPr lang="pt-BR" smtClean="0"/>
-              <a:t>21/04/2017</a:t>
+              <a:t>12/06/2017</a:t>
             </a:fld>
             <a:endParaRPr lang="pt-BR" dirty="0"/>
           </a:p>
@@ -761,7 +765,7 @@
           <a:p>
             <a:fld id="{E51D2F42-BB20-49B7-BF12-273DB75CA549}" type="datetimeFigureOut">
               <a:rPr lang="pt-BR" smtClean="0"/>
-              <a:t>21/04/2017</a:t>
+              <a:t>12/06/2017</a:t>
             </a:fld>
             <a:endParaRPr lang="pt-BR" dirty="0"/>
           </a:p>
@@ -1006,7 +1010,7 @@
           <a:p>
             <a:fld id="{E51D2F42-BB20-49B7-BF12-273DB75CA549}" type="datetimeFigureOut">
               <a:rPr lang="pt-BR" smtClean="0"/>
-              <a:t>21/04/2017</a:t>
+              <a:t>12/06/2017</a:t>
             </a:fld>
             <a:endParaRPr lang="pt-BR" dirty="0"/>
           </a:p>
@@ -1235,7 +1239,7 @@
           <a:p>
             <a:fld id="{E51D2F42-BB20-49B7-BF12-273DB75CA549}" type="datetimeFigureOut">
               <a:rPr lang="pt-BR" smtClean="0"/>
-              <a:t>21/04/2017</a:t>
+              <a:t>12/06/2017</a:t>
             </a:fld>
             <a:endParaRPr lang="pt-BR" dirty="0"/>
           </a:p>
@@ -1599,7 +1603,7 @@
           <a:p>
             <a:fld id="{E51D2F42-BB20-49B7-BF12-273DB75CA549}" type="datetimeFigureOut">
               <a:rPr lang="pt-BR" smtClean="0"/>
-              <a:t>21/04/2017</a:t>
+              <a:t>12/06/2017</a:t>
             </a:fld>
             <a:endParaRPr lang="pt-BR" dirty="0"/>
           </a:p>
@@ -1716,7 +1720,7 @@
           <a:p>
             <a:fld id="{E51D2F42-BB20-49B7-BF12-273DB75CA549}" type="datetimeFigureOut">
               <a:rPr lang="pt-BR" smtClean="0"/>
-              <a:t>21/04/2017</a:t>
+              <a:t>12/06/2017</a:t>
             </a:fld>
             <a:endParaRPr lang="pt-BR" dirty="0"/>
           </a:p>
@@ -1811,7 +1815,7 @@
           <a:p>
             <a:fld id="{E51D2F42-BB20-49B7-BF12-273DB75CA549}" type="datetimeFigureOut">
               <a:rPr lang="pt-BR" smtClean="0"/>
-              <a:t>21/04/2017</a:t>
+              <a:t>12/06/2017</a:t>
             </a:fld>
             <a:endParaRPr lang="pt-BR" dirty="0"/>
           </a:p>
@@ -2086,7 +2090,7 @@
           <a:p>
             <a:fld id="{E51D2F42-BB20-49B7-BF12-273DB75CA549}" type="datetimeFigureOut">
               <a:rPr lang="pt-BR" smtClean="0"/>
-              <a:t>21/04/2017</a:t>
+              <a:t>12/06/2017</a:t>
             </a:fld>
             <a:endParaRPr lang="pt-BR" dirty="0"/>
           </a:p>
@@ -2338,7 +2342,7 @@
           <a:p>
             <a:fld id="{E51D2F42-BB20-49B7-BF12-273DB75CA549}" type="datetimeFigureOut">
               <a:rPr lang="pt-BR" smtClean="0"/>
-              <a:t>21/04/2017</a:t>
+              <a:t>12/06/2017</a:t>
             </a:fld>
             <a:endParaRPr lang="pt-BR" dirty="0"/>
           </a:p>
@@ -2549,7 +2553,7 @@
           <a:p>
             <a:fld id="{E51D2F42-BB20-49B7-BF12-273DB75CA549}" type="datetimeFigureOut">
               <a:rPr lang="pt-BR" smtClean="0"/>
-              <a:t>21/04/2017</a:t>
+              <a:t>12/06/2017</a:t>
             </a:fld>
             <a:endParaRPr lang="pt-BR" dirty="0"/>
           </a:p>
@@ -8457,6 +8461,59 @@
           </a:prstGeom>
         </p:spPr>
       </p:pic>
+      <p:sp>
+        <p:nvSpPr>
+          <p:cNvPr id="19" name="Retângulo: Cantos Diagonais Recortados 18"/>
+          <p:cNvSpPr/>
+          <p:nvPr/>
+        </p:nvSpPr>
+        <p:spPr>
+          <a:xfrm>
+            <a:off x="5123121" y="4129070"/>
+            <a:ext cx="1945758" cy="435935"/>
+          </a:xfrm>
+          <a:prstGeom prst="snip2DiagRect">
+            <a:avLst/>
+          </a:prstGeom>
+          <a:solidFill>
+            <a:srgbClr val="0066FF"/>
+          </a:solidFill>
+          <a:ln>
+            <a:noFill/>
+          </a:ln>
+          <a:effectLst>
+            <a:outerShdw blurRad="63500" sx="102000" sy="102000" algn="ctr" rotWithShape="0">
+              <a:prstClr val="black">
+                <a:alpha val="40000"/>
+              </a:prstClr>
+            </a:outerShdw>
+          </a:effectLst>
+        </p:spPr>
+        <p:style>
+          <a:lnRef idx="2">
+            <a:schemeClr val="accent1">
+              <a:shade val="50000"/>
+            </a:schemeClr>
+          </a:lnRef>
+          <a:fillRef idx="1">
+            <a:schemeClr val="accent1"/>
+          </a:fillRef>
+          <a:effectRef idx="0">
+            <a:schemeClr val="accent1"/>
+          </a:effectRef>
+          <a:fontRef idx="minor">
+            <a:schemeClr val="lt1"/>
+          </a:fontRef>
+        </p:style>
+        <p:txBody>
+          <a:bodyPr rtlCol="0" anchor="ctr"/>
+          <a:lstStyle/>
+          <a:p>
+            <a:pPr algn="ctr"/>
+            <a:endParaRPr lang="pt-BR"/>
+          </a:p>
+        </p:txBody>
+      </p:sp>
     </p:spTree>
     <p:extLst>
       <p:ext uri="{BB962C8B-B14F-4D97-AF65-F5344CB8AC3E}">
